--- a/fuentes/contenidos/grado10/guion04/MapaConceptual_MA_10_04_CO.pptx
+++ b/fuentes/contenidos/grado10/guion04/MapaConceptual_MA_10_04_CO.pptx
@@ -139,13 +139,6 @@
   <p:clrMapOvr>
     <a:masterClrMapping/>
   </p:clrMapOvr>
-  <p:timing>
-    <p:tnLst>
-      <p:par>
-        <p:cTn id="1" dur="indefinite" restart="never" nodeType="tmRoot"/>
-      </p:par>
-    </p:tnLst>
-  </p:timing>
 </p:sldLayout>
 </file>
 
@@ -176,13 +169,6 @@
   <p:clrMapOvr>
     <a:masterClrMapping/>
   </p:clrMapOvr>
-  <p:timing>
-    <p:tnLst>
-      <p:par>
-        <p:cTn id="1" dur="indefinite" restart="never" nodeType="tmRoot"/>
-      </p:par>
-    </p:tnLst>
-  </p:timing>
 </p:sldLayout>
 </file>
 
@@ -213,13 +199,6 @@
   <p:clrMapOvr>
     <a:masterClrMapping/>
   </p:clrMapOvr>
-  <p:timing>
-    <p:tnLst>
-      <p:par>
-        <p:cTn id="1" dur="indefinite" restart="never" nodeType="tmRoot"/>
-      </p:par>
-    </p:tnLst>
-  </p:timing>
 </p:sldLayout>
 </file>
 
@@ -250,13 +229,6 @@
   <p:clrMapOvr>
     <a:masterClrMapping/>
   </p:clrMapOvr>
-  <p:timing>
-    <p:tnLst>
-      <p:par>
-        <p:cTn id="1" dur="indefinite" restart="never" nodeType="tmRoot"/>
-      </p:par>
-    </p:tnLst>
-  </p:timing>
 </p:sldLayout>
 </file>
 
@@ -287,13 +259,6 @@
   <p:clrMapOvr>
     <a:masterClrMapping/>
   </p:clrMapOvr>
-  <p:timing>
-    <p:tnLst>
-      <p:par>
-        <p:cTn id="1" dur="indefinite" restart="never" nodeType="tmRoot"/>
-      </p:par>
-    </p:tnLst>
-  </p:timing>
 </p:sldLayout>
 </file>
 
@@ -324,13 +289,6 @@
   <p:clrMapOvr>
     <a:masterClrMapping/>
   </p:clrMapOvr>
-  <p:timing>
-    <p:tnLst>
-      <p:par>
-        <p:cTn id="1" dur="indefinite" restart="never" nodeType="tmRoot"/>
-      </p:par>
-    </p:tnLst>
-  </p:timing>
 </p:sldLayout>
 </file>
 
@@ -361,13 +319,6 @@
   <p:clrMapOvr>
     <a:masterClrMapping/>
   </p:clrMapOvr>
-  <p:timing>
-    <p:tnLst>
-      <p:par>
-        <p:cTn id="1" dur="indefinite" restart="never" nodeType="tmRoot"/>
-      </p:par>
-    </p:tnLst>
-  </p:timing>
 </p:sldLayout>
 </file>
 
@@ -398,13 +349,6 @@
   <p:clrMapOvr>
     <a:masterClrMapping/>
   </p:clrMapOvr>
-  <p:timing>
-    <p:tnLst>
-      <p:par>
-        <p:cTn id="1" dur="indefinite" restart="never" nodeType="tmRoot"/>
-      </p:par>
-    </p:tnLst>
-  </p:timing>
 </p:sldLayout>
 </file>
 
@@ -450,7 +394,7 @@
           <a:p>
             <a:fld id="{5001C876-01F7-4317-94B9-1AE222133113}" type="datetimeFigureOut">
               <a:rPr lang="es-ES" smtClean="0"/>
-              <a:t>13/07/2016</a:t>
+              <a:t>15/07/2016</a:t>
             </a:fld>
             <a:endParaRPr lang="es-ES"/>
           </a:p>
@@ -524,13 +468,6 @@
   <p:clrMapOvr>
     <a:masterClrMapping/>
   </p:clrMapOvr>
-  <p:timing>
-    <p:tnLst>
-      <p:par>
-        <p:cTn id="1" dur="indefinite" restart="never" nodeType="tmRoot"/>
-      </p:par>
-    </p:tnLst>
-  </p:timing>
 </p:sldLayout>
 </file>
 
@@ -561,13 +498,6 @@
   <p:clrMapOvr>
     <a:masterClrMapping/>
   </p:clrMapOvr>
-  <p:timing>
-    <p:tnLst>
-      <p:par>
-        <p:cTn id="1" dur="indefinite" restart="never" nodeType="tmRoot"/>
-      </p:par>
-    </p:tnLst>
-  </p:timing>
 </p:sldLayout>
 </file>
 
@@ -598,13 +528,6 @@
   <p:clrMapOvr>
     <a:masterClrMapping/>
   </p:clrMapOvr>
-  <p:timing>
-    <p:tnLst>
-      <p:par>
-        <p:cTn id="1" dur="indefinite" restart="never" nodeType="tmRoot"/>
-      </p:par>
-    </p:tnLst>
-  </p:timing>
 </p:sldLayout>
 </file>
 
@@ -654,16 +577,12 @@
           <a:p>
             <a:pPr algn="ctr"/>
             <a:r>
-              <a:rPr lang="es-ES" sz="1200" dirty="0" smtClean="0">
+              <a:rPr lang="es-ES" sz="1200" dirty="0">
                 <a:latin typeface="Arial" panose="020B0604020202020204" pitchFamily="34" charset="0"/>
                 <a:cs typeface="Arial" panose="020B0604020202020204" pitchFamily="34" charset="0"/>
               </a:rPr>
               <a:t>© Editorial Planeta Colombiana S.A., 2016.</a:t>
             </a:r>
-            <a:endParaRPr lang="es-ES" sz="1200" dirty="0">
-              <a:latin typeface="Arial" panose="020B0604020202020204" pitchFamily="34" charset="0"/>
-              <a:cs typeface="Arial" panose="020B0604020202020204" pitchFamily="34" charset="0"/>
-            </a:endParaRPr>
           </a:p>
         </p:txBody>
       </p:sp>
@@ -718,13 +637,6 @@
     <p:sldLayoutId id="2147483670" r:id="rId10"/>
     <p:sldLayoutId id="2147483671" r:id="rId11"/>
   </p:sldLayoutIdLst>
-  <p:timing>
-    <p:tnLst>
-      <p:par>
-        <p:cTn id="1" dur="indefinite" restart="never" nodeType="tmRoot"/>
-      </p:par>
-    </p:tnLst>
-  </p:timing>
   <p:txStyles>
     <p:titleStyle>
       <a:lvl1pPr algn="l" defTabSz="914400" rtl="0" eaLnBrk="1" latinLnBrk="0" hangingPunct="1">
@@ -1068,16 +980,12 @@
           <a:p>
             <a:pPr algn="ctr"/>
             <a:r>
-              <a:rPr lang="es-ES" sz="1600" dirty="0" smtClean="0">
+              <a:rPr lang="es-ES" sz="1600" dirty="0">
                 <a:latin typeface="Arial" panose="020B0604020202020204" pitchFamily="34" charset="0"/>
                 <a:cs typeface="Arial" panose="020B0604020202020204" pitchFamily="34" charset="0"/>
               </a:rPr>
               <a:t>Las identidades trigonométricas</a:t>
             </a:r>
-            <a:endParaRPr lang="es-ES" sz="1600" dirty="0">
-              <a:latin typeface="Arial" panose="020B0604020202020204" pitchFamily="34" charset="0"/>
-              <a:cs typeface="Arial" panose="020B0604020202020204" pitchFamily="34" charset="0"/>
-            </a:endParaRPr>
           </a:p>
         </p:txBody>
       </p:sp>
@@ -1131,60 +1039,11 @@
           <a:p>
             <a:pPr algn="ctr"/>
             <a:r>
-              <a:rPr lang="es-ES_tradnl" sz="1200" b="1" dirty="0" smtClean="0">
-                <a:latin typeface="Arial" panose="020B0604020202020204" pitchFamily="34" charset="0"/>
-                <a:cs typeface="Arial" panose="020B0604020202020204" pitchFamily="34" charset="0"/>
-              </a:rPr>
-              <a:t>Expresiones </a:t>
-            </a:r>
-            <a:r>
               <a:rPr lang="es-ES_tradnl" sz="1200" b="1" dirty="0">
                 <a:latin typeface="Arial" panose="020B0604020202020204" pitchFamily="34" charset="0"/>
                 <a:cs typeface="Arial" panose="020B0604020202020204" pitchFamily="34" charset="0"/>
               </a:rPr>
-              <a:t>que </a:t>
-            </a:r>
-            <a:r>
-              <a:rPr lang="es-ES_tradnl" sz="1200" b="1" dirty="0" smtClean="0">
-                <a:latin typeface="Arial" panose="020B0604020202020204" pitchFamily="34" charset="0"/>
-                <a:cs typeface="Arial" panose="020B0604020202020204" pitchFamily="34" charset="0"/>
-              </a:rPr>
-              <a:t>involucran </a:t>
-            </a:r>
-            <a:r>
-              <a:rPr lang="es-ES_tradnl" sz="1200" b="1" dirty="0">
-                <a:latin typeface="Arial" panose="020B0604020202020204" pitchFamily="34" charset="0"/>
-                <a:cs typeface="Arial" panose="020B0604020202020204" pitchFamily="34" charset="0"/>
-              </a:rPr>
-              <a:t>funciones trigonométricas </a:t>
-            </a:r>
-            <a:r>
-              <a:rPr lang="es-ES_tradnl" sz="1200" b="1" dirty="0" smtClean="0">
-                <a:latin typeface="Arial" panose="020B0604020202020204" pitchFamily="34" charset="0"/>
-                <a:cs typeface="Arial" panose="020B0604020202020204" pitchFamily="34" charset="0"/>
-              </a:rPr>
-              <a:t>que </a:t>
-            </a:r>
-            <a:r>
-              <a:rPr lang="es-ES_tradnl" sz="1200" b="1" dirty="0" smtClean="0">
-                <a:latin typeface="Arial" panose="020B0604020202020204" pitchFamily="34" charset="0"/>
-                <a:cs typeface="Arial" panose="020B0604020202020204" pitchFamily="34" charset="0"/>
-              </a:rPr>
-              <a:t>son válidas </a:t>
-            </a:r>
-            <a:r>
-              <a:rPr lang="es-ES_tradnl" sz="1200" b="1" dirty="0">
-                <a:latin typeface="Arial" panose="020B0604020202020204" pitchFamily="34" charset="0"/>
-                <a:cs typeface="Arial" panose="020B0604020202020204" pitchFamily="34" charset="0"/>
-              </a:rPr>
-              <a:t>para cualquier </a:t>
-            </a:r>
-            <a:r>
-              <a:rPr lang="es-ES_tradnl" sz="1200" b="1" dirty="0" smtClean="0">
-                <a:latin typeface="Arial" panose="020B0604020202020204" pitchFamily="34" charset="0"/>
-                <a:cs typeface="Arial" panose="020B0604020202020204" pitchFamily="34" charset="0"/>
-              </a:rPr>
-              <a:t>ángulo</a:t>
+              <a:t>Expresiones que involucran funciones trigonométricas que son válidas para cualquier ángulo</a:t>
             </a:r>
             <a:endParaRPr lang="es-ES" sz="1200" b="1" dirty="0">
               <a:latin typeface="Arial" panose="020B0604020202020204" pitchFamily="34" charset="0"/>
@@ -1252,16 +1111,12 @@
           <a:p>
             <a:pPr algn="ctr"/>
             <a:r>
-              <a:rPr lang="es-ES" sz="900" dirty="0" smtClean="0">
+              <a:rPr lang="es-ES" sz="900" dirty="0">
                 <a:latin typeface="Arial" panose="020B0604020202020204" pitchFamily="34" charset="0"/>
                 <a:cs typeface="Arial" panose="020B0604020202020204" pitchFamily="34" charset="0"/>
               </a:rPr>
               <a:t>son</a:t>
             </a:r>
-            <a:endParaRPr lang="es-ES" sz="900" dirty="0">
-              <a:latin typeface="Arial" panose="020B0604020202020204" pitchFamily="34" charset="0"/>
-              <a:cs typeface="Arial" panose="020B0604020202020204" pitchFamily="34" charset="0"/>
-            </a:endParaRPr>
           </a:p>
         </p:txBody>
       </p:sp>
@@ -1315,16 +1170,12 @@
           <a:p>
             <a:pPr algn="ctr"/>
             <a:r>
-              <a:rPr lang="es-ES" sz="1200" b="1" dirty="0" smtClean="0">
+              <a:rPr lang="es-ES" sz="1200" b="1" dirty="0">
                 <a:latin typeface="Arial" panose="020B0604020202020204" pitchFamily="34" charset="0"/>
                 <a:cs typeface="Arial" panose="020B0604020202020204" pitchFamily="34" charset="0"/>
               </a:rPr>
               <a:t>Relaciones trigonométricas básicas y de las definiciones establecidas de las funciones trigonométricas</a:t>
             </a:r>
-            <a:endParaRPr lang="es-ES" sz="1200" b="1" dirty="0">
-              <a:latin typeface="Arial" panose="020B0604020202020204" pitchFamily="34" charset="0"/>
-              <a:cs typeface="Arial" panose="020B0604020202020204" pitchFamily="34" charset="0"/>
-            </a:endParaRPr>
           </a:p>
         </p:txBody>
       </p:sp>
@@ -1413,17 +1264,17 @@
           <a:p>
             <a:pPr algn="ctr"/>
             <a:r>
-              <a:rPr lang="es-ES" sz="1050" dirty="0" smtClean="0">
+              <a:rPr lang="es-ES" sz="1050" dirty="0">
                 <a:solidFill>
                   <a:schemeClr val="bg1"/>
                 </a:solidFill>
                 <a:latin typeface="Arial" panose="020B0604020202020204" pitchFamily="34" charset="0"/>
                 <a:cs typeface="Arial" panose="020B0604020202020204" pitchFamily="34" charset="0"/>
               </a:rPr>
-              <a:t>Relaciones </a:t>
+              <a:t>relaciones </a:t>
             </a:r>
             <a:r>
-              <a:rPr lang="es-ES" sz="1050" dirty="0" err="1" smtClean="0">
+              <a:rPr lang="es-ES" sz="1050" dirty="0" err="1">
                 <a:solidFill>
                   <a:schemeClr val="bg1"/>
                 </a:solidFill>
@@ -1504,16 +1355,12 @@
           <a:p>
             <a:pPr algn="ctr"/>
             <a:r>
-              <a:rPr lang="es-ES" sz="900" dirty="0" smtClean="0">
+              <a:rPr lang="es-ES" sz="900" dirty="0">
                 <a:latin typeface="Arial" panose="020B0604020202020204" pitchFamily="34" charset="0"/>
                 <a:cs typeface="Arial" panose="020B0604020202020204" pitchFamily="34" charset="0"/>
               </a:rPr>
               <a:t>como</a:t>
             </a:r>
-            <a:endParaRPr lang="es-ES" sz="900" dirty="0">
-              <a:latin typeface="Arial" panose="020B0604020202020204" pitchFamily="34" charset="0"/>
-              <a:cs typeface="Arial" panose="020B0604020202020204" pitchFamily="34" charset="0"/>
-            </a:endParaRPr>
           </a:p>
         </p:txBody>
       </p:sp>
@@ -1635,16 +1482,12 @@
           <a:p>
             <a:pPr algn="ctr"/>
             <a:r>
-              <a:rPr lang="es-ES" sz="900" dirty="0" smtClean="0">
+              <a:rPr lang="es-ES" sz="900" dirty="0">
                 <a:latin typeface="Arial" panose="020B0604020202020204" pitchFamily="34" charset="0"/>
                 <a:cs typeface="Arial" panose="020B0604020202020204" pitchFamily="34" charset="0"/>
               </a:rPr>
               <a:t>se deducen de</a:t>
             </a:r>
-            <a:endParaRPr lang="es-ES" sz="900" dirty="0">
-              <a:latin typeface="Arial" panose="020B0604020202020204" pitchFamily="34" charset="0"/>
-              <a:cs typeface="Arial" panose="020B0604020202020204" pitchFamily="34" charset="0"/>
-            </a:endParaRPr>
           </a:p>
         </p:txBody>
       </p:sp>
@@ -1730,22 +1573,15 @@
           <a:p>
             <a:pPr algn="ctr"/>
             <a:r>
-              <a:rPr lang="es-ES" sz="1050" dirty="0" smtClean="0">
+              <a:rPr lang="es-ES" sz="1050" dirty="0">
                 <a:solidFill>
                   <a:schemeClr val="bg1"/>
                 </a:solidFill>
                 <a:latin typeface="Arial" panose="020B0604020202020204" pitchFamily="34" charset="0"/>
                 <a:cs typeface="Arial" panose="020B0604020202020204" pitchFamily="34" charset="0"/>
               </a:rPr>
-              <a:t>Relaciones recíprocas</a:t>
+              <a:t>relaciones recíprocas</a:t>
             </a:r>
-            <a:endParaRPr lang="es-ES" sz="1050" dirty="0">
-              <a:solidFill>
-                <a:schemeClr val="bg1"/>
-              </a:solidFill>
-              <a:latin typeface="Arial" panose="020B0604020202020204" pitchFamily="34" charset="0"/>
-              <a:cs typeface="Arial" panose="020B0604020202020204" pitchFamily="34" charset="0"/>
-            </a:endParaRPr>
           </a:p>
         </p:txBody>
       </p:sp>
@@ -1808,16 +1644,12 @@
           <a:p>
             <a:pPr algn="ctr"/>
             <a:r>
-              <a:rPr lang="es-ES" sz="900" dirty="0" smtClean="0">
+              <a:rPr lang="es-ES" sz="900" dirty="0">
                 <a:latin typeface="Arial" panose="020B0604020202020204" pitchFamily="34" charset="0"/>
                 <a:cs typeface="Arial" panose="020B0604020202020204" pitchFamily="34" charset="0"/>
               </a:rPr>
               <a:t>entre ellas están</a:t>
             </a:r>
-            <a:endParaRPr lang="es-ES" sz="900" dirty="0">
-              <a:latin typeface="Arial" panose="020B0604020202020204" pitchFamily="34" charset="0"/>
-              <a:cs typeface="Arial" panose="020B0604020202020204" pitchFamily="34" charset="0"/>
-            </a:endParaRPr>
           </a:p>
         </p:txBody>
       </p:sp>
@@ -2002,16 +1834,12 @@
           <a:p>
             <a:pPr algn="ctr"/>
             <a:r>
-              <a:rPr lang="es-ES" sz="1200" b="1" dirty="0" smtClean="0">
+              <a:rPr lang="es-ES" sz="1200" b="1" dirty="0">
                 <a:latin typeface="Arial" panose="020B0604020202020204" pitchFamily="34" charset="0"/>
                 <a:cs typeface="Arial" panose="020B0604020202020204" pitchFamily="34" charset="0"/>
               </a:rPr>
               <a:t>La resolución de ecuaciones trigonométricas</a:t>
             </a:r>
-            <a:endParaRPr lang="es-ES" sz="1200" b="1" dirty="0">
-              <a:latin typeface="Arial" panose="020B0604020202020204" pitchFamily="34" charset="0"/>
-              <a:cs typeface="Arial" panose="020B0604020202020204" pitchFamily="34" charset="0"/>
-            </a:endParaRPr>
           </a:p>
         </p:txBody>
       </p:sp>
@@ -2074,16 +1902,12 @@
           <a:p>
             <a:pPr algn="ctr"/>
             <a:r>
-              <a:rPr lang="es-ES" sz="900" dirty="0" smtClean="0">
+              <a:rPr lang="es-ES" sz="900" dirty="0">
                 <a:latin typeface="Arial" panose="020B0604020202020204" pitchFamily="34" charset="0"/>
                 <a:cs typeface="Arial" panose="020B0604020202020204" pitchFamily="34" charset="0"/>
               </a:rPr>
               <a:t>que consiste en</a:t>
             </a:r>
-            <a:endParaRPr lang="es-ES" sz="900" dirty="0">
-              <a:latin typeface="Arial" panose="020B0604020202020204" pitchFamily="34" charset="0"/>
-              <a:cs typeface="Arial" panose="020B0604020202020204" pitchFamily="34" charset="0"/>
-            </a:endParaRPr>
           </a:p>
         </p:txBody>
       </p:sp>
@@ -2171,7 +1995,7 @@
           <a:p>
             <a:pPr algn="ctr"/>
             <a:r>
-              <a:rPr lang="es-ES" sz="1050" dirty="0" smtClean="0">
+              <a:rPr lang="es-ES" sz="1050" dirty="0">
                 <a:solidFill>
                   <a:schemeClr val="bg1"/>
                 </a:solidFill>
@@ -2180,13 +2004,6 @@
               </a:rPr>
               <a:t>determinar los valores de los ángulos que cumplen ciertas condiciones o satisfacen una función trigonométrica dada</a:t>
             </a:r>
-            <a:endParaRPr lang="es-ES" sz="1050" dirty="0">
-              <a:solidFill>
-                <a:schemeClr val="bg1"/>
-              </a:solidFill>
-              <a:latin typeface="Arial" panose="020B0604020202020204" pitchFamily="34" charset="0"/>
-              <a:cs typeface="Arial" panose="020B0604020202020204" pitchFamily="34" charset="0"/>
-            </a:endParaRPr>
           </a:p>
         </p:txBody>
       </p:sp>
@@ -2272,7 +2089,7 @@
           <a:p>
             <a:pPr algn="ctr"/>
             <a:r>
-              <a:rPr lang="es-ES" sz="900" dirty="0" smtClean="0">
+              <a:rPr lang="es-ES" sz="900" dirty="0">
                 <a:solidFill>
                   <a:schemeClr val="tx1"/>
                 </a:solidFill>
@@ -2281,13 +2098,6 @@
               </a:rPr>
               <a:t>utilizando las identidades trigonométricas fundamentales, las funciones trigonométricas, sus recíprocas e inversas</a:t>
             </a:r>
-            <a:endParaRPr lang="es-ES" sz="900" dirty="0">
-              <a:solidFill>
-                <a:schemeClr val="tx1"/>
-              </a:solidFill>
-              <a:latin typeface="Arial" panose="020B0604020202020204" pitchFamily="34" charset="0"/>
-              <a:cs typeface="Arial" panose="020B0604020202020204" pitchFamily="34" charset="0"/>
-            </a:endParaRPr>
           </a:p>
         </p:txBody>
       </p:sp>
@@ -2315,16 +2125,12 @@
           <a:p>
             <a:pPr algn="ctr"/>
             <a:r>
-              <a:rPr lang="es-ES" sz="900" dirty="0" smtClean="0">
+              <a:rPr lang="es-ES" sz="900" dirty="0">
                 <a:latin typeface="Arial" panose="020B0604020202020204" pitchFamily="34" charset="0"/>
                 <a:cs typeface="Arial" panose="020B0604020202020204" pitchFamily="34" charset="0"/>
               </a:rPr>
               <a:t>se aplican en</a:t>
             </a:r>
-            <a:endParaRPr lang="es-ES" sz="900" dirty="0">
-              <a:latin typeface="Arial" panose="020B0604020202020204" pitchFamily="34" charset="0"/>
-              <a:cs typeface="Arial" panose="020B0604020202020204" pitchFamily="34" charset="0"/>
-            </a:endParaRPr>
           </a:p>
         </p:txBody>
       </p:sp>
@@ -2392,16 +2198,12 @@
           <a:p>
             <a:pPr algn="ctr"/>
             <a:r>
-              <a:rPr lang="es-ES" sz="900" dirty="0" smtClean="0">
+              <a:rPr lang="es-ES" sz="900" dirty="0">
                 <a:latin typeface="Arial" panose="020B0604020202020204" pitchFamily="34" charset="0"/>
                 <a:cs typeface="Arial" panose="020B0604020202020204" pitchFamily="34" charset="0"/>
               </a:rPr>
               <a:t>se plantean</a:t>
             </a:r>
-            <a:endParaRPr lang="es-ES" sz="900" dirty="0">
-              <a:latin typeface="Arial" panose="020B0604020202020204" pitchFamily="34" charset="0"/>
-              <a:cs typeface="Arial" panose="020B0604020202020204" pitchFamily="34" charset="0"/>
-            </a:endParaRPr>
           </a:p>
         </p:txBody>
       </p:sp>
@@ -2455,16 +2257,12 @@
           <a:p>
             <a:pPr algn="ctr"/>
             <a:r>
-              <a:rPr lang="es-ES" sz="1200" b="1" dirty="0" smtClean="0">
+              <a:rPr lang="es-ES" sz="1200" b="1" dirty="0">
                 <a:latin typeface="Arial" panose="020B0604020202020204" pitchFamily="34" charset="0"/>
                 <a:cs typeface="Arial" panose="020B0604020202020204" pitchFamily="34" charset="0"/>
               </a:rPr>
               <a:t>Identidades para la suma de ángulos</a:t>
             </a:r>
-            <a:endParaRPr lang="es-ES" sz="1200" b="1" dirty="0">
-              <a:latin typeface="Arial" panose="020B0604020202020204" pitchFamily="34" charset="0"/>
-              <a:cs typeface="Arial" panose="020B0604020202020204" pitchFamily="34" charset="0"/>
-            </a:endParaRPr>
           </a:p>
         </p:txBody>
       </p:sp>
@@ -2518,16 +2316,12 @@
           <a:p>
             <a:pPr algn="ctr"/>
             <a:r>
-              <a:rPr lang="es-ES" sz="1200" b="1" dirty="0" smtClean="0">
+              <a:rPr lang="es-ES" sz="1200" b="1" dirty="0">
                 <a:latin typeface="Arial" panose="020B0604020202020204" pitchFamily="34" charset="0"/>
                 <a:cs typeface="Arial" panose="020B0604020202020204" pitchFamily="34" charset="0"/>
               </a:rPr>
               <a:t>Identidades para la diferencia de ángulos</a:t>
             </a:r>
-            <a:endParaRPr lang="es-ES" sz="1200" b="1" dirty="0">
-              <a:latin typeface="Arial" panose="020B0604020202020204" pitchFamily="34" charset="0"/>
-              <a:cs typeface="Arial" panose="020B0604020202020204" pitchFamily="34" charset="0"/>
-            </a:endParaRPr>
           </a:p>
         </p:txBody>
       </p:sp>
@@ -2581,16 +2375,12 @@
           <a:p>
             <a:pPr algn="ctr"/>
             <a:r>
-              <a:rPr lang="es-ES" sz="1200" b="1" dirty="0" smtClean="0">
+              <a:rPr lang="es-ES" sz="1200" b="1" dirty="0">
                 <a:latin typeface="Arial" panose="020B0604020202020204" pitchFamily="34" charset="0"/>
                 <a:cs typeface="Arial" panose="020B0604020202020204" pitchFamily="34" charset="0"/>
               </a:rPr>
               <a:t>Identidades para ángulos dobles</a:t>
             </a:r>
-            <a:endParaRPr lang="es-ES" sz="1200" b="1" dirty="0">
-              <a:latin typeface="Arial" panose="020B0604020202020204" pitchFamily="34" charset="0"/>
-              <a:cs typeface="Arial" panose="020B0604020202020204" pitchFamily="34" charset="0"/>
-            </a:endParaRPr>
           </a:p>
         </p:txBody>
       </p:sp>
@@ -2618,16 +2408,12 @@
           <a:p>
             <a:pPr algn="ctr"/>
             <a:r>
-              <a:rPr lang="es-ES" sz="900" dirty="0" smtClean="0">
+              <a:rPr lang="es-ES" sz="900" dirty="0">
                 <a:latin typeface="Arial" panose="020B0604020202020204" pitchFamily="34" charset="0"/>
                 <a:cs typeface="Arial" panose="020B0604020202020204" pitchFamily="34" charset="0"/>
               </a:rPr>
               <a:t>se clasifican en</a:t>
             </a:r>
-            <a:endParaRPr lang="es-ES" sz="900" dirty="0">
-              <a:latin typeface="Arial" panose="020B0604020202020204" pitchFamily="34" charset="0"/>
-              <a:cs typeface="Arial" panose="020B0604020202020204" pitchFamily="34" charset="0"/>
-            </a:endParaRPr>
           </a:p>
         </p:txBody>
       </p:sp>
@@ -2676,22 +2462,15 @@
           <a:p>
             <a:pPr algn="ctr"/>
             <a:r>
-              <a:rPr lang="es-ES" sz="1050" dirty="0" smtClean="0">
+              <a:rPr lang="es-ES" sz="1050" dirty="0">
                 <a:solidFill>
                   <a:schemeClr val="bg1"/>
                 </a:solidFill>
                 <a:latin typeface="Arial" panose="020B0604020202020204" pitchFamily="34" charset="0"/>
                 <a:cs typeface="Arial" panose="020B0604020202020204" pitchFamily="34" charset="0"/>
               </a:rPr>
-              <a:t>Relaciones por cocientes</a:t>
+              <a:t>relaciones por cocientes</a:t>
             </a:r>
-            <a:endParaRPr lang="es-ES" sz="1050" dirty="0">
-              <a:solidFill>
-                <a:schemeClr val="bg1"/>
-              </a:solidFill>
-              <a:latin typeface="Arial" panose="020B0604020202020204" pitchFamily="34" charset="0"/>
-              <a:cs typeface="Arial" panose="020B0604020202020204" pitchFamily="34" charset="0"/>
-            </a:endParaRPr>
           </a:p>
         </p:txBody>
       </p:sp>
@@ -2860,16 +2639,12 @@
           <a:p>
             <a:pPr algn="ctr"/>
             <a:r>
-              <a:rPr lang="es-ES" sz="900" dirty="0" smtClean="0">
+              <a:rPr lang="es-ES" sz="900" dirty="0">
                 <a:latin typeface="Arial" panose="020B0604020202020204" pitchFamily="34" charset="0"/>
                 <a:cs typeface="Arial" panose="020B0604020202020204" pitchFamily="34" charset="0"/>
               </a:rPr>
               <a:t>como</a:t>
             </a:r>
-            <a:endParaRPr lang="es-ES" sz="900" dirty="0">
-              <a:latin typeface="Arial" panose="020B0604020202020204" pitchFamily="34" charset="0"/>
-              <a:cs typeface="Arial" panose="020B0604020202020204" pitchFamily="34" charset="0"/>
-            </a:endParaRPr>
           </a:p>
         </p:txBody>
       </p:sp>
@@ -3048,23 +2823,12 @@
           <a:p>
             <a:pPr algn="ctr"/>
             <a:r>
-              <a:rPr lang="es-ES" sz="900" dirty="0" smtClean="0">
+              <a:rPr lang="es-ES" sz="900" dirty="0">
                 <a:latin typeface="Arial" panose="020B0604020202020204" pitchFamily="34" charset="0"/>
                 <a:cs typeface="Arial" panose="020B0604020202020204" pitchFamily="34" charset="0"/>
               </a:rPr>
-              <a:t>e</a:t>
+              <a:t>expresadas</a:t>
             </a:r>
-            <a:r>
-              <a:rPr lang="es-ES" sz="900" dirty="0" smtClean="0">
-                <a:latin typeface="Arial" panose="020B0604020202020204" pitchFamily="34" charset="0"/>
-                <a:cs typeface="Arial" panose="020B0604020202020204" pitchFamily="34" charset="0"/>
-              </a:rPr>
-              <a:t>xpresadas</a:t>
-            </a:r>
-            <a:endParaRPr lang="es-ES" sz="900" dirty="0">
-              <a:latin typeface="Arial" panose="020B0604020202020204" pitchFamily="34" charset="0"/>
-              <a:cs typeface="Arial" panose="020B0604020202020204" pitchFamily="34" charset="0"/>
-            </a:endParaRPr>
           </a:p>
         </p:txBody>
       </p:sp>
@@ -3150,32 +2914,15 @@
           <a:p>
             <a:pPr algn="ctr"/>
             <a:r>
-              <a:rPr lang="es-ES" sz="1050" dirty="0" smtClean="0">
+              <a:rPr lang="es-ES" sz="1050" dirty="0">
                 <a:solidFill>
                   <a:schemeClr val="bg1"/>
                 </a:solidFill>
                 <a:latin typeface="Arial" panose="020B0604020202020204" pitchFamily="34" charset="0"/>
                 <a:cs typeface="Arial" panose="020B0604020202020204" pitchFamily="34" charset="0"/>
               </a:rPr>
-              <a:t>en </a:t>
+              <a:t>en términos de las mismas funciones</a:t>
             </a:r>
-            <a:r>
-              <a:rPr lang="es-ES" sz="1050" dirty="0" smtClean="0">
-                <a:solidFill>
-                  <a:schemeClr val="bg1"/>
-                </a:solidFill>
-                <a:latin typeface="Arial" panose="020B0604020202020204" pitchFamily="34" charset="0"/>
-                <a:cs typeface="Arial" panose="020B0604020202020204" pitchFamily="34" charset="0"/>
-              </a:rPr>
-              <a:t>términos de las mismas funciones</a:t>
-            </a:r>
-            <a:endParaRPr lang="es-ES" sz="1050" dirty="0">
-              <a:solidFill>
-                <a:schemeClr val="bg1"/>
-              </a:solidFill>
-              <a:latin typeface="Arial" panose="020B0604020202020204" pitchFamily="34" charset="0"/>
-              <a:cs typeface="Arial" panose="020B0604020202020204" pitchFamily="34" charset="0"/>
-            </a:endParaRPr>
           </a:p>
         </p:txBody>
       </p:sp>
@@ -3257,16 +3004,12 @@
           <a:p>
             <a:pPr algn="ctr"/>
             <a:r>
-              <a:rPr lang="es-ES" sz="900" dirty="0" smtClean="0">
+              <a:rPr lang="es-ES" sz="900" dirty="0">
                 <a:latin typeface="Arial" panose="020B0604020202020204" pitchFamily="34" charset="0"/>
                 <a:cs typeface="Arial" panose="020B0604020202020204" pitchFamily="34" charset="0"/>
               </a:rPr>
               <a:t>se deducen de</a:t>
             </a:r>
-            <a:endParaRPr lang="es-ES" sz="900" dirty="0">
-              <a:latin typeface="Arial" panose="020B0604020202020204" pitchFamily="34" charset="0"/>
-              <a:cs typeface="Arial" panose="020B0604020202020204" pitchFamily="34" charset="0"/>
-            </a:endParaRPr>
           </a:p>
         </p:txBody>
       </p:sp>
@@ -3315,7 +3058,7 @@
           <a:p>
             <a:pPr algn="ctr"/>
             <a:r>
-              <a:rPr lang="es-ES" sz="1050" dirty="0" smtClean="0">
+              <a:rPr lang="es-ES" sz="1050" dirty="0">
                 <a:solidFill>
                   <a:schemeClr val="bg1"/>
                 </a:solidFill>
@@ -3324,13 +3067,6 @@
               </a:rPr>
               <a:t>las fórmulas correspondientes a la suma de ángulos</a:t>
             </a:r>
-            <a:endParaRPr lang="es-ES" sz="1050" dirty="0">
-              <a:solidFill>
-                <a:schemeClr val="bg1"/>
-              </a:solidFill>
-              <a:latin typeface="Arial" panose="020B0604020202020204" pitchFamily="34" charset="0"/>
-              <a:cs typeface="Arial" panose="020B0604020202020204" pitchFamily="34" charset="0"/>
-            </a:endParaRPr>
           </a:p>
         </p:txBody>
       </p:sp>
@@ -3509,16 +3245,12 @@
           <a:p>
             <a:pPr algn="ctr"/>
             <a:r>
-              <a:rPr lang="es-ES" sz="900" dirty="0" smtClean="0">
+              <a:rPr lang="es-ES" sz="900" dirty="0">
                 <a:latin typeface="Arial" panose="020B0604020202020204" pitchFamily="34" charset="0"/>
                 <a:cs typeface="Arial" panose="020B0604020202020204" pitchFamily="34" charset="0"/>
               </a:rPr>
               <a:t>estas son</a:t>
             </a:r>
-            <a:endParaRPr lang="es-ES" sz="900" dirty="0">
-              <a:latin typeface="Arial" panose="020B0604020202020204" pitchFamily="34" charset="0"/>
-              <a:cs typeface="Arial" panose="020B0604020202020204" pitchFamily="34" charset="0"/>
-            </a:endParaRPr>
           </a:p>
         </p:txBody>
       </p:sp>
@@ -3583,16 +3315,12 @@
           <a:p>
             <a:pPr algn="ctr"/>
             <a:r>
-              <a:rPr lang="es-ES" sz="900" dirty="0" smtClean="0">
+              <a:rPr lang="es-ES" sz="900" dirty="0">
                 <a:latin typeface="Arial" panose="020B0604020202020204" pitchFamily="34" charset="0"/>
                 <a:cs typeface="Arial" panose="020B0604020202020204" pitchFamily="34" charset="0"/>
               </a:rPr>
               <a:t>se obtienen</a:t>
             </a:r>
-            <a:endParaRPr lang="es-ES" sz="900" dirty="0">
-              <a:latin typeface="Arial" panose="020B0604020202020204" pitchFamily="34" charset="0"/>
-              <a:cs typeface="Arial" panose="020B0604020202020204" pitchFamily="34" charset="0"/>
-            </a:endParaRPr>
           </a:p>
         </p:txBody>
       </p:sp>
@@ -3641,7 +3369,7 @@
           <a:p>
             <a:pPr algn="ctr"/>
             <a:r>
-              <a:rPr lang="es-ES" sz="1050" dirty="0" smtClean="0">
+              <a:rPr lang="es-ES" sz="1050" dirty="0">
                 <a:solidFill>
                   <a:schemeClr val="bg1"/>
                 </a:solidFill>
@@ -3650,13 +3378,6 @@
               </a:rPr>
               <a:t>al simplificar las identidades de la suma de ángulos</a:t>
             </a:r>
-            <a:endParaRPr lang="es-ES" sz="1050" dirty="0">
-              <a:solidFill>
-                <a:schemeClr val="bg1"/>
-              </a:solidFill>
-              <a:latin typeface="Arial" panose="020B0604020202020204" pitchFamily="34" charset="0"/>
-              <a:cs typeface="Arial" panose="020B0604020202020204" pitchFamily="34" charset="0"/>
-            </a:endParaRPr>
           </a:p>
         </p:txBody>
       </p:sp>
@@ -3684,16 +3405,12 @@
           <a:p>
             <a:pPr algn="ctr"/>
             <a:r>
-              <a:rPr lang="es-ES" sz="900" dirty="0" smtClean="0">
+              <a:rPr lang="es-ES" sz="900" dirty="0">
                 <a:latin typeface="Arial" panose="020B0604020202020204" pitchFamily="34" charset="0"/>
                 <a:cs typeface="Arial" panose="020B0604020202020204" pitchFamily="34" charset="0"/>
               </a:rPr>
               <a:t>son</a:t>
             </a:r>
-            <a:endParaRPr lang="es-ES" sz="900" dirty="0">
-              <a:latin typeface="Arial" panose="020B0604020202020204" pitchFamily="34" charset="0"/>
-              <a:cs typeface="Arial" panose="020B0604020202020204" pitchFamily="34" charset="0"/>
-            </a:endParaRPr>
           </a:p>
         </p:txBody>
       </p:sp>
@@ -3805,16 +3522,12 @@
           <a:p>
             <a:pPr algn="ctr"/>
             <a:r>
-              <a:rPr lang="es-ES" sz="900" dirty="0" smtClean="0">
+              <a:rPr lang="es-ES" sz="900" dirty="0">
                 <a:latin typeface="Arial" panose="020B0604020202020204" pitchFamily="34" charset="0"/>
                 <a:cs typeface="Arial" panose="020B0604020202020204" pitchFamily="34" charset="0"/>
               </a:rPr>
               <a:t>se resuelven</a:t>
             </a:r>
-            <a:endParaRPr lang="es-ES" sz="900" dirty="0">
-              <a:latin typeface="Arial" panose="020B0604020202020204" pitchFamily="34" charset="0"/>
-              <a:cs typeface="Arial" panose="020B0604020202020204" pitchFamily="34" charset="0"/>
-            </a:endParaRPr>
           </a:p>
         </p:txBody>
       </p:sp>
@@ -4397,16 +4110,12 @@
           <a:p>
             <a:pPr algn="ctr"/>
             <a:r>
-              <a:rPr lang="es-ES" sz="900" dirty="0" smtClean="0">
+              <a:rPr lang="es-ES" sz="900" dirty="0">
                 <a:latin typeface="Arial" panose="020B0604020202020204" pitchFamily="34" charset="0"/>
                 <a:cs typeface="Arial" panose="020B0604020202020204" pitchFamily="34" charset="0"/>
               </a:rPr>
               <a:t>son</a:t>
             </a:r>
-            <a:endParaRPr lang="es-ES" sz="900" dirty="0">
-              <a:latin typeface="Arial" panose="020B0604020202020204" pitchFamily="34" charset="0"/>
-              <a:cs typeface="Arial" panose="020B0604020202020204" pitchFamily="34" charset="0"/>
-            </a:endParaRPr>
           </a:p>
         </p:txBody>
       </p:sp>
@@ -4494,13 +4203,6 @@
   <p:clrMapOvr>
     <a:masterClrMapping/>
   </p:clrMapOvr>
-  <p:timing>
-    <p:tnLst>
-      <p:par>
-        <p:cTn id="1" dur="indefinite" restart="never" nodeType="tmRoot"/>
-      </p:par>
-    </p:tnLst>
-  </p:timing>
 </p:sld>
 </file>
 

--- a/fuentes/contenidos/grado10/guion04/MapaConceptual_MA_10_04_CO.pptx
+++ b/fuentes/contenidos/grado10/guion04/MapaConceptual_MA_10_04_CO.pptx
@@ -394,7 +394,7 @@
           <a:p>
             <a:fld id="{5001C876-01F7-4317-94B9-1AE222133113}" type="datetimeFigureOut">
               <a:rPr lang="es-ES" smtClean="0"/>
-              <a:t>15/07/2016</a:t>
+              <a:t>18/07/2016</a:t>
             </a:fld>
             <a:endParaRPr lang="es-ES"/>
           </a:p>
@@ -1701,7 +1701,7 @@
         </p:nvSpPr>
         <p:spPr>
           <a:xfrm>
-            <a:off x="3453737" y="5665814"/>
+            <a:off x="3491613" y="5656312"/>
             <a:ext cx="950193" cy="606477"/>
           </a:xfrm>
           <a:prstGeom prst="rect">
@@ -1792,8 +1792,8 @@
         </p:nvSpPr>
         <p:spPr>
           <a:xfrm>
-            <a:off x="7461994" y="1108460"/>
-            <a:ext cx="1364505" cy="771119"/>
+            <a:off x="7473427" y="1114613"/>
+            <a:ext cx="1345452" cy="684304"/>
           </a:xfrm>
           <a:prstGeom prst="rect">
             <a:avLst/>
@@ -1886,7 +1886,7 @@
         </p:nvSpPr>
         <p:spPr>
           <a:xfrm>
-            <a:off x="7589203" y="2022946"/>
+            <a:off x="7580056" y="1882175"/>
             <a:ext cx="1122431" cy="230832"/>
           </a:xfrm>
           <a:prstGeom prst="rect">
@@ -1920,13 +1920,13 @@
           <p:nvPr/>
         </p:nvCxnSpPr>
         <p:spPr>
-          <a:xfrm rot="5400000">
-            <a:off x="8071134" y="1949496"/>
-            <a:ext cx="143030" cy="3196"/>
+          <a:xfrm rot="16200000" flipH="1">
+            <a:off x="8077803" y="1867267"/>
+            <a:ext cx="143030" cy="6330"/>
           </a:xfrm>
           <a:prstGeom prst="bentConnector3">
             <a:avLst>
-              <a:gd name="adj1" fmla="val 50000"/>
+              <a:gd name="adj1" fmla="val -4994"/>
             </a:avLst>
           </a:prstGeom>
           <a:ln w="12700">
@@ -1958,8 +1958,8 @@
         </p:nvSpPr>
         <p:spPr>
           <a:xfrm>
-            <a:off x="7511282" y="2344778"/>
-            <a:ext cx="1520496" cy="1265815"/>
+            <a:off x="7442518" y="2216656"/>
+            <a:ext cx="1524563" cy="1103408"/>
           </a:xfrm>
           <a:prstGeom prst="rect">
             <a:avLst/>
@@ -2015,7 +2015,7 @@
         </p:nvCxnSpPr>
         <p:spPr>
           <a:xfrm rot="5400000">
-            <a:off x="8078221" y="2279693"/>
+            <a:off x="8069074" y="2138922"/>
             <a:ext cx="144395" cy="2"/>
           </a:xfrm>
           <a:prstGeom prst="bentConnector3">
@@ -2052,8 +2052,8 @@
         </p:nvSpPr>
         <p:spPr>
           <a:xfrm>
-            <a:off x="7709325" y="4413839"/>
-            <a:ext cx="1114239" cy="1242473"/>
+            <a:off x="7482595" y="3831544"/>
+            <a:ext cx="1484486" cy="956358"/>
           </a:xfrm>
           <a:prstGeom prst="rect">
             <a:avLst/>
@@ -2145,8 +2145,8 @@
         </p:nvCxnSpPr>
         <p:spPr>
           <a:xfrm rot="16200000" flipH="1">
-            <a:off x="8047671" y="1011883"/>
-            <a:ext cx="192521" cy="631"/>
+            <a:off x="8045547" y="1014007"/>
+            <a:ext cx="198674" cy="2537"/>
           </a:xfrm>
           <a:prstGeom prst="bentConnector3">
             <a:avLst>
@@ -2791,8 +2791,8 @@
         </p:blipFill>
         <p:spPr>
           <a:xfrm>
-            <a:off x="3603723" y="5726936"/>
-            <a:ext cx="727265" cy="453706"/>
+            <a:off x="3609213" y="5726935"/>
+            <a:ext cx="721775" cy="450281"/>
           </a:xfrm>
           <a:prstGeom prst="rect">
             <a:avLst/>
@@ -3079,7 +3079,7 @@
         <p:spPr>
           <a:xfrm>
             <a:off x="4627476" y="5320352"/>
-            <a:ext cx="2528452" cy="671921"/>
+            <a:ext cx="2602682" cy="671921"/>
           </a:xfrm>
           <a:prstGeom prst="rect">
             <a:avLst/>
@@ -3213,8 +3213,8 @@
         </p:blipFill>
         <p:spPr>
           <a:xfrm>
-            <a:off x="4763582" y="5448839"/>
-            <a:ext cx="2246856" cy="461389"/>
+            <a:off x="4763581" y="5411921"/>
+            <a:ext cx="2426643" cy="498308"/>
           </a:xfrm>
           <a:prstGeom prst="rect">
             <a:avLst/>
@@ -3422,8 +3422,8 @@
         </p:nvSpPr>
         <p:spPr>
           <a:xfrm>
-            <a:off x="5860346" y="4222048"/>
-            <a:ext cx="1603785" cy="573729"/>
+            <a:off x="5668266" y="4237736"/>
+            <a:ext cx="1665633" cy="593750"/>
           </a:xfrm>
           <a:prstGeom prst="rect">
             <a:avLst/>
@@ -3490,8 +3490,8 @@
         </p:blipFill>
         <p:spPr>
           <a:xfrm>
-            <a:off x="5968799" y="4293287"/>
-            <a:ext cx="1325822" cy="407084"/>
+            <a:off x="5772006" y="4300302"/>
+            <a:ext cx="1458152" cy="447715"/>
           </a:xfrm>
           <a:prstGeom prst="rect">
             <a:avLst/>
@@ -3506,7 +3506,7 @@
         </p:nvSpPr>
         <p:spPr>
           <a:xfrm>
-            <a:off x="7709325" y="3882830"/>
+            <a:off x="7681125" y="3494702"/>
             <a:ext cx="1117174" cy="230836"/>
           </a:xfrm>
           <a:prstGeom prst="rect">
@@ -4020,12 +4020,12 @@
         </p:nvCxnSpPr>
         <p:spPr>
           <a:xfrm rot="5400000">
-            <a:off x="8148431" y="3682617"/>
+            <a:off x="8127321" y="3406685"/>
             <a:ext cx="144049" cy="1"/>
           </a:xfrm>
           <a:prstGeom prst="bentConnector3">
             <a:avLst>
-              <a:gd name="adj1" fmla="val 214707"/>
+              <a:gd name="adj1" fmla="val 146450"/>
             </a:avLst>
           </a:prstGeom>
           <a:ln w="12700">
@@ -4057,12 +4057,12 @@
         </p:nvCxnSpPr>
         <p:spPr>
           <a:xfrm rot="5400000">
-            <a:off x="8142612" y="4167523"/>
+            <a:off x="8120230" y="3735789"/>
             <a:ext cx="144049" cy="1"/>
           </a:xfrm>
           <a:prstGeom prst="bentConnector3">
             <a:avLst>
-              <a:gd name="adj1" fmla="val 214707"/>
+              <a:gd name="adj1" fmla="val 112322"/>
             </a:avLst>
           </a:prstGeom>
           <a:ln w="12700">
@@ -4170,6 +4170,355 @@
           <a:prstGeom prst="bentConnector3">
             <a:avLst>
               <a:gd name="adj1" fmla="val 96407"/>
+            </a:avLst>
+          </a:prstGeom>
+          <a:ln w="12700">
+            <a:solidFill>
+              <a:schemeClr val="tx1"/>
+            </a:solidFill>
+          </a:ln>
+        </p:spPr>
+        <p:style>
+          <a:lnRef idx="1">
+            <a:schemeClr val="accent1"/>
+          </a:lnRef>
+          <a:fillRef idx="0">
+            <a:schemeClr val="accent1"/>
+          </a:fillRef>
+          <a:effectRef idx="0">
+            <a:schemeClr val="accent1"/>
+          </a:effectRef>
+          <a:fontRef idx="minor">
+            <a:schemeClr val="tx1"/>
+          </a:fontRef>
+        </p:style>
+      </p:cxnSp>
+      <p:sp>
+        <p:nvSpPr>
+          <p:cNvPr id="81" name="Rectángulo 80" descr="Nodo de tercer nivel" title="Nodo03"/>
+          <p:cNvSpPr/>
+          <p:nvPr/>
+        </p:nvSpPr>
+        <p:spPr>
+          <a:xfrm>
+            <a:off x="7545058" y="5268470"/>
+            <a:ext cx="1260473" cy="472593"/>
+          </a:xfrm>
+          <a:prstGeom prst="rect">
+            <a:avLst/>
+          </a:prstGeom>
+          <a:noFill/>
+          <a:ln>
+            <a:solidFill>
+              <a:schemeClr val="tx1"/>
+            </a:solidFill>
+          </a:ln>
+        </p:spPr>
+        <p:style>
+          <a:lnRef idx="2">
+            <a:schemeClr val="accent6"/>
+          </a:lnRef>
+          <a:fillRef idx="1">
+            <a:schemeClr val="lt1"/>
+          </a:fillRef>
+          <a:effectRef idx="0">
+            <a:schemeClr val="accent6"/>
+          </a:effectRef>
+          <a:fontRef idx="minor">
+            <a:schemeClr val="dk1"/>
+          </a:fontRef>
+        </p:style>
+        <p:txBody>
+          <a:bodyPr rtlCol="0" anchor="ctr"/>
+          <a:lstStyle/>
+          <a:p>
+            <a:pPr algn="ctr"/>
+            <a:r>
+              <a:rPr lang="es-ES" sz="900" dirty="0" smtClean="0">
+                <a:solidFill>
+                  <a:schemeClr val="tx1"/>
+                </a:solidFill>
+                <a:latin typeface="Arial" panose="020B0604020202020204" pitchFamily="34" charset="0"/>
+                <a:cs typeface="Arial" panose="020B0604020202020204" pitchFamily="34" charset="0"/>
+              </a:rPr>
+              <a:t>la resolución de triángulos no rectángulos</a:t>
+            </a:r>
+            <a:endParaRPr lang="es-ES" sz="900" dirty="0">
+              <a:solidFill>
+                <a:schemeClr val="tx1"/>
+              </a:solidFill>
+              <a:latin typeface="Arial" panose="020B0604020202020204" pitchFamily="34" charset="0"/>
+              <a:cs typeface="Arial" panose="020B0604020202020204" pitchFamily="34" charset="0"/>
+            </a:endParaRPr>
+          </a:p>
+        </p:txBody>
+      </p:sp>
+      <p:sp>
+        <p:nvSpPr>
+          <p:cNvPr id="84" name="CuadroTexto 83" descr="Conector entre nodos" title="conector"/>
+          <p:cNvSpPr txBox="1"/>
+          <p:nvPr/>
+        </p:nvSpPr>
+        <p:spPr>
+          <a:xfrm>
+            <a:off x="7633667" y="4912591"/>
+            <a:ext cx="1117174" cy="230836"/>
+          </a:xfrm>
+          <a:prstGeom prst="rect">
+            <a:avLst/>
+          </a:prstGeom>
+          <a:noFill/>
+        </p:spPr>
+        <p:txBody>
+          <a:bodyPr wrap="square" rtlCol="0">
+            <a:spAutoFit/>
+          </a:bodyPr>
+          <a:lstStyle/>
+          <a:p>
+            <a:pPr algn="ctr"/>
+            <a:r>
+              <a:rPr lang="es-ES" sz="900" dirty="0">
+                <a:latin typeface="Arial" panose="020B0604020202020204" pitchFamily="34" charset="0"/>
+                <a:cs typeface="Arial" panose="020B0604020202020204" pitchFamily="34" charset="0"/>
+              </a:rPr>
+              <a:t>se </a:t>
+            </a:r>
+            <a:r>
+              <a:rPr lang="es-ES" sz="900" dirty="0" smtClean="0">
+                <a:latin typeface="Arial" panose="020B0604020202020204" pitchFamily="34" charset="0"/>
+                <a:cs typeface="Arial" panose="020B0604020202020204" pitchFamily="34" charset="0"/>
+              </a:rPr>
+              <a:t>aplican en</a:t>
+            </a:r>
+            <a:endParaRPr lang="es-ES" sz="900" dirty="0">
+              <a:latin typeface="Arial" panose="020B0604020202020204" pitchFamily="34" charset="0"/>
+              <a:cs typeface="Arial" panose="020B0604020202020204" pitchFamily="34" charset="0"/>
+            </a:endParaRPr>
+          </a:p>
+        </p:txBody>
+      </p:sp>
+      <p:cxnSp>
+        <p:nvCxnSpPr>
+          <p:cNvPr id="85" name="Conector angular 84"/>
+          <p:cNvCxnSpPr/>
+          <p:nvPr/>
+        </p:nvCxnSpPr>
+        <p:spPr>
+          <a:xfrm rot="5400000">
+            <a:off x="8100192" y="4859926"/>
+            <a:ext cx="144049" cy="1"/>
+          </a:xfrm>
+          <a:prstGeom prst="bentConnector3">
+            <a:avLst>
+              <a:gd name="adj1" fmla="val -3429"/>
+            </a:avLst>
+          </a:prstGeom>
+          <a:ln w="12700">
+            <a:solidFill>
+              <a:schemeClr val="tx1"/>
+            </a:solidFill>
+          </a:ln>
+        </p:spPr>
+        <p:style>
+          <a:lnRef idx="1">
+            <a:schemeClr val="accent1"/>
+          </a:lnRef>
+          <a:fillRef idx="0">
+            <a:schemeClr val="accent1"/>
+          </a:fillRef>
+          <a:effectRef idx="0">
+            <a:schemeClr val="accent1"/>
+          </a:effectRef>
+          <a:fontRef idx="minor">
+            <a:schemeClr val="tx1"/>
+          </a:fontRef>
+        </p:style>
+      </p:cxnSp>
+      <p:sp>
+        <p:nvSpPr>
+          <p:cNvPr id="87" name="CuadroTexto 86" descr="Conector entre nodos" title="conector"/>
+          <p:cNvSpPr txBox="1"/>
+          <p:nvPr/>
+        </p:nvSpPr>
+        <p:spPr>
+          <a:xfrm>
+            <a:off x="7540924" y="5853636"/>
+            <a:ext cx="1277955" cy="230832"/>
+          </a:xfrm>
+          <a:prstGeom prst="rect">
+            <a:avLst/>
+          </a:prstGeom>
+          <a:noFill/>
+        </p:spPr>
+        <p:txBody>
+          <a:bodyPr wrap="square" rtlCol="0">
+            <a:spAutoFit/>
+          </a:bodyPr>
+          <a:lstStyle/>
+          <a:p>
+            <a:pPr algn="ctr"/>
+            <a:r>
+              <a:rPr lang="es-ES" sz="900" dirty="0" smtClean="0">
+                <a:latin typeface="Arial" panose="020B0604020202020204" pitchFamily="34" charset="0"/>
+                <a:cs typeface="Arial" panose="020B0604020202020204" pitchFamily="34" charset="0"/>
+              </a:rPr>
+              <a:t>que además utilizan</a:t>
+            </a:r>
+            <a:endParaRPr lang="es-ES" sz="900" dirty="0">
+              <a:latin typeface="Arial" panose="020B0604020202020204" pitchFamily="34" charset="0"/>
+              <a:cs typeface="Arial" panose="020B0604020202020204" pitchFamily="34" charset="0"/>
+            </a:endParaRPr>
+          </a:p>
+        </p:txBody>
+      </p:sp>
+      <p:sp>
+        <p:nvSpPr>
+          <p:cNvPr id="91" name="Rectángulo 90" descr="Nodo de tercer nivel" title="Nodo03"/>
+          <p:cNvSpPr/>
+          <p:nvPr/>
+        </p:nvSpPr>
+        <p:spPr>
+          <a:xfrm>
+            <a:off x="7591462" y="6221631"/>
+            <a:ext cx="1145842" cy="397262"/>
+          </a:xfrm>
+          <a:prstGeom prst="rect">
+            <a:avLst/>
+          </a:prstGeom>
+          <a:noFill/>
+          <a:ln>
+            <a:solidFill>
+              <a:schemeClr val="tx1"/>
+            </a:solidFill>
+          </a:ln>
+        </p:spPr>
+        <p:style>
+          <a:lnRef idx="2">
+            <a:schemeClr val="accent6"/>
+          </a:lnRef>
+          <a:fillRef idx="1">
+            <a:schemeClr val="lt1"/>
+          </a:fillRef>
+          <a:effectRef idx="0">
+            <a:schemeClr val="accent6"/>
+          </a:effectRef>
+          <a:fontRef idx="minor">
+            <a:schemeClr val="dk1"/>
+          </a:fontRef>
+        </p:style>
+        <p:txBody>
+          <a:bodyPr rtlCol="0" anchor="ctr"/>
+          <a:lstStyle/>
+          <a:p>
+            <a:pPr algn="ctr"/>
+            <a:r>
+              <a:rPr lang="es-ES" sz="900" dirty="0" smtClean="0">
+                <a:solidFill>
+                  <a:schemeClr val="tx1"/>
+                </a:solidFill>
+                <a:latin typeface="Arial" panose="020B0604020202020204" pitchFamily="34" charset="0"/>
+                <a:cs typeface="Arial" panose="020B0604020202020204" pitchFamily="34" charset="0"/>
+              </a:rPr>
+              <a:t>los teoremas del seno y del coseno</a:t>
+            </a:r>
+            <a:endParaRPr lang="es-ES" sz="900" dirty="0">
+              <a:solidFill>
+                <a:schemeClr val="tx1"/>
+              </a:solidFill>
+              <a:latin typeface="Arial" panose="020B0604020202020204" pitchFamily="34" charset="0"/>
+              <a:cs typeface="Arial" panose="020B0604020202020204" pitchFamily="34" charset="0"/>
+            </a:endParaRPr>
+          </a:p>
+        </p:txBody>
+      </p:sp>
+      <p:cxnSp>
+        <p:nvCxnSpPr>
+          <p:cNvPr id="93" name="Conector angular 92"/>
+          <p:cNvCxnSpPr/>
+          <p:nvPr/>
+        </p:nvCxnSpPr>
+        <p:spPr>
+          <a:xfrm rot="16200000" flipH="1">
+            <a:off x="8103780" y="5181023"/>
+            <a:ext cx="143030" cy="6330"/>
+          </a:xfrm>
+          <a:prstGeom prst="bentConnector3">
+            <a:avLst>
+              <a:gd name="adj1" fmla="val 105997"/>
+            </a:avLst>
+          </a:prstGeom>
+          <a:ln w="12700">
+            <a:solidFill>
+              <a:schemeClr val="tx1"/>
+            </a:solidFill>
+          </a:ln>
+        </p:spPr>
+        <p:style>
+          <a:lnRef idx="1">
+            <a:schemeClr val="accent1"/>
+          </a:lnRef>
+          <a:fillRef idx="0">
+            <a:schemeClr val="accent1"/>
+          </a:fillRef>
+          <a:effectRef idx="0">
+            <a:schemeClr val="accent1"/>
+          </a:effectRef>
+          <a:fontRef idx="minor">
+            <a:schemeClr val="tx1"/>
+          </a:fontRef>
+        </p:style>
+      </p:cxnSp>
+      <p:cxnSp>
+        <p:nvCxnSpPr>
+          <p:cNvPr id="94" name="Conector angular 93"/>
+          <p:cNvCxnSpPr/>
+          <p:nvPr/>
+        </p:nvCxnSpPr>
+        <p:spPr>
+          <a:xfrm rot="5400000">
+            <a:off x="8099933" y="5816457"/>
+            <a:ext cx="144395" cy="2"/>
+          </a:xfrm>
+          <a:prstGeom prst="bentConnector3">
+            <a:avLst>
+              <a:gd name="adj1" fmla="val 50000"/>
+            </a:avLst>
+          </a:prstGeom>
+          <a:ln w="12700">
+            <a:solidFill>
+              <a:schemeClr val="tx1"/>
+            </a:solidFill>
+          </a:ln>
+        </p:spPr>
+        <p:style>
+          <a:lnRef idx="1">
+            <a:schemeClr val="accent1"/>
+          </a:lnRef>
+          <a:fillRef idx="0">
+            <a:schemeClr val="accent1"/>
+          </a:fillRef>
+          <a:effectRef idx="0">
+            <a:schemeClr val="accent1"/>
+          </a:effectRef>
+          <a:fontRef idx="minor">
+            <a:schemeClr val="tx1"/>
+          </a:fontRef>
+        </p:style>
+      </p:cxnSp>
+      <p:cxnSp>
+        <p:nvCxnSpPr>
+          <p:cNvPr id="95" name="Conector angular 94"/>
+          <p:cNvCxnSpPr/>
+          <p:nvPr/>
+        </p:nvCxnSpPr>
+        <p:spPr>
+          <a:xfrm rot="16200000" flipH="1">
+            <a:off x="8103779" y="6134481"/>
+            <a:ext cx="143030" cy="6330"/>
+          </a:xfrm>
+          <a:prstGeom prst="bentConnector3">
+            <a:avLst>
+              <a:gd name="adj1" fmla="val 101557"/>
             </a:avLst>
           </a:prstGeom>
           <a:ln w="12700">
